--- a/NEW KPU/KPU/DEM JEG KAN/Spørgsmål4DEPENDENCYINJECTION.pptx
+++ b/NEW KPU/KPU/DEM JEG KAN/Spørgsmål4DEPENDENCYINJECTION.pptx
@@ -355,7 +355,7 @@
           <a:p>
             <a:fld id="{CAFBEB33-5C9B-4D64-BDCC-28EE72182984}" type="datetimeFigureOut">
               <a:rPr lang="da-DK" smtClean="0"/>
-              <a:t>12-06-2020</a:t>
+              <a:t>17-08-2020</a:t>
             </a:fld>
             <a:endParaRPr lang="da-DK"/>
           </a:p>
@@ -513,7 +513,7 @@
           <a:p>
             <a:fld id="{AF581790-30EB-4915-AE53-5D244CAE00D7}" type="slidenum">
               <a:rPr lang="da-DK" smtClean="0"/>
-              <a:t>‹nr.›</a:t>
+              <a:t>‹#›</a:t>
             </a:fld>
             <a:endParaRPr lang="da-DK"/>
           </a:p>
@@ -943,7 +943,7 @@
           <a:p>
             <a:fld id="{B15BDCF8-6BE6-4A24-AC1F-B3D1AD8DCEBB}" type="datetimeFigureOut">
               <a:rPr lang="en-DK" smtClean="0"/>
-              <a:t>06/12/2020</a:t>
+              <a:t>17/08/2020</a:t>
             </a:fld>
             <a:endParaRPr lang="en-DK"/>
           </a:p>
@@ -997,7 +997,7 @@
           <a:p>
             <a:fld id="{4F0241CA-2D9F-4459-972A-B5752E64FD6F}" type="slidenum">
               <a:rPr lang="en-DK" smtClean="0"/>
-              <a:t>‹nr.›</a:t>
+              <a:t>‹#›</a:t>
             </a:fld>
             <a:endParaRPr lang="en-DK"/>
           </a:p>
@@ -1143,7 +1143,7 @@
           <a:p>
             <a:fld id="{B15BDCF8-6BE6-4A24-AC1F-B3D1AD8DCEBB}" type="datetimeFigureOut">
               <a:rPr lang="en-DK" smtClean="0"/>
-              <a:t>06/12/2020</a:t>
+              <a:t>17/08/2020</a:t>
             </a:fld>
             <a:endParaRPr lang="en-DK"/>
           </a:p>
@@ -1197,7 +1197,7 @@
           <a:p>
             <a:fld id="{4F0241CA-2D9F-4459-972A-B5752E64FD6F}" type="slidenum">
               <a:rPr lang="en-DK" smtClean="0"/>
-              <a:t>‹nr.›</a:t>
+              <a:t>‹#›</a:t>
             </a:fld>
             <a:endParaRPr lang="en-DK"/>
           </a:p>
@@ -1353,7 +1353,7 @@
           <a:p>
             <a:fld id="{B15BDCF8-6BE6-4A24-AC1F-B3D1AD8DCEBB}" type="datetimeFigureOut">
               <a:rPr lang="en-DK" smtClean="0"/>
-              <a:t>06/12/2020</a:t>
+              <a:t>17/08/2020</a:t>
             </a:fld>
             <a:endParaRPr lang="en-DK"/>
           </a:p>
@@ -1407,7 +1407,7 @@
           <a:p>
             <a:fld id="{4F0241CA-2D9F-4459-972A-B5752E64FD6F}" type="slidenum">
               <a:rPr lang="en-DK" smtClean="0"/>
-              <a:t>‹nr.›</a:t>
+              <a:t>‹#›</a:t>
             </a:fld>
             <a:endParaRPr lang="en-DK"/>
           </a:p>
@@ -1553,7 +1553,7 @@
           <a:p>
             <a:fld id="{B15BDCF8-6BE6-4A24-AC1F-B3D1AD8DCEBB}" type="datetimeFigureOut">
               <a:rPr lang="en-DK" smtClean="0"/>
-              <a:t>06/12/2020</a:t>
+              <a:t>17/08/2020</a:t>
             </a:fld>
             <a:endParaRPr lang="en-DK"/>
           </a:p>
@@ -1607,7 +1607,7 @@
           <a:p>
             <a:fld id="{4F0241CA-2D9F-4459-972A-B5752E64FD6F}" type="slidenum">
               <a:rPr lang="en-DK" smtClean="0"/>
-              <a:t>‹nr.›</a:t>
+              <a:t>‹#›</a:t>
             </a:fld>
             <a:endParaRPr lang="en-DK"/>
           </a:p>
@@ -1829,7 +1829,7 @@
           <a:p>
             <a:fld id="{B15BDCF8-6BE6-4A24-AC1F-B3D1AD8DCEBB}" type="datetimeFigureOut">
               <a:rPr lang="en-DK" smtClean="0"/>
-              <a:t>06/12/2020</a:t>
+              <a:t>17/08/2020</a:t>
             </a:fld>
             <a:endParaRPr lang="en-DK"/>
           </a:p>
@@ -1883,7 +1883,7 @@
           <a:p>
             <a:fld id="{4F0241CA-2D9F-4459-972A-B5752E64FD6F}" type="slidenum">
               <a:rPr lang="en-DK" smtClean="0"/>
-              <a:t>‹nr.›</a:t>
+              <a:t>‹#›</a:t>
             </a:fld>
             <a:endParaRPr lang="en-DK"/>
           </a:p>
@@ -2097,7 +2097,7 @@
           <a:p>
             <a:fld id="{B15BDCF8-6BE6-4A24-AC1F-B3D1AD8DCEBB}" type="datetimeFigureOut">
               <a:rPr lang="en-DK" smtClean="0"/>
-              <a:t>06/12/2020</a:t>
+              <a:t>17/08/2020</a:t>
             </a:fld>
             <a:endParaRPr lang="en-DK"/>
           </a:p>
@@ -2151,7 +2151,7 @@
           <a:p>
             <a:fld id="{4F0241CA-2D9F-4459-972A-B5752E64FD6F}" type="slidenum">
               <a:rPr lang="en-DK" smtClean="0"/>
-              <a:t>‹nr.›</a:t>
+              <a:t>‹#›</a:t>
             </a:fld>
             <a:endParaRPr lang="en-DK"/>
           </a:p>
@@ -2512,7 +2512,7 @@
           <a:p>
             <a:fld id="{B15BDCF8-6BE6-4A24-AC1F-B3D1AD8DCEBB}" type="datetimeFigureOut">
               <a:rPr lang="en-DK" smtClean="0"/>
-              <a:t>06/12/2020</a:t>
+              <a:t>17/08/2020</a:t>
             </a:fld>
             <a:endParaRPr lang="en-DK"/>
           </a:p>
@@ -2566,7 +2566,7 @@
           <a:p>
             <a:fld id="{4F0241CA-2D9F-4459-972A-B5752E64FD6F}" type="slidenum">
               <a:rPr lang="en-DK" smtClean="0"/>
-              <a:t>‹nr.›</a:t>
+              <a:t>‹#›</a:t>
             </a:fld>
             <a:endParaRPr lang="en-DK"/>
           </a:p>
@@ -2654,7 +2654,7 @@
           <a:p>
             <a:fld id="{B15BDCF8-6BE6-4A24-AC1F-B3D1AD8DCEBB}" type="datetimeFigureOut">
               <a:rPr lang="en-DK" smtClean="0"/>
-              <a:t>06/12/2020</a:t>
+              <a:t>17/08/2020</a:t>
             </a:fld>
             <a:endParaRPr lang="en-DK"/>
           </a:p>
@@ -2708,7 +2708,7 @@
           <a:p>
             <a:fld id="{4F0241CA-2D9F-4459-972A-B5752E64FD6F}" type="slidenum">
               <a:rPr lang="en-DK" smtClean="0"/>
-              <a:t>‹nr.›</a:t>
+              <a:t>‹#›</a:t>
             </a:fld>
             <a:endParaRPr lang="en-DK"/>
           </a:p>
@@ -2767,7 +2767,7 @@
           <a:p>
             <a:fld id="{B15BDCF8-6BE6-4A24-AC1F-B3D1AD8DCEBB}" type="datetimeFigureOut">
               <a:rPr lang="en-DK" smtClean="0"/>
-              <a:t>06/12/2020</a:t>
+              <a:t>17/08/2020</a:t>
             </a:fld>
             <a:endParaRPr lang="en-DK"/>
           </a:p>
@@ -2821,7 +2821,7 @@
           <a:p>
             <a:fld id="{4F0241CA-2D9F-4459-972A-B5752E64FD6F}" type="slidenum">
               <a:rPr lang="en-DK" smtClean="0"/>
-              <a:t>‹nr.›</a:t>
+              <a:t>‹#›</a:t>
             </a:fld>
             <a:endParaRPr lang="en-DK"/>
           </a:p>
@@ -3080,7 +3080,7 @@
           <a:p>
             <a:fld id="{B15BDCF8-6BE6-4A24-AC1F-B3D1AD8DCEBB}" type="datetimeFigureOut">
               <a:rPr lang="en-DK" smtClean="0"/>
-              <a:t>06/12/2020</a:t>
+              <a:t>17/08/2020</a:t>
             </a:fld>
             <a:endParaRPr lang="en-DK"/>
           </a:p>
@@ -3134,7 +3134,7 @@
           <a:p>
             <a:fld id="{4F0241CA-2D9F-4459-972A-B5752E64FD6F}" type="slidenum">
               <a:rPr lang="en-DK" smtClean="0"/>
-              <a:t>‹nr.›</a:t>
+              <a:t>‹#›</a:t>
             </a:fld>
             <a:endParaRPr lang="en-DK"/>
           </a:p>
@@ -3369,7 +3369,7 @@
           <a:p>
             <a:fld id="{B15BDCF8-6BE6-4A24-AC1F-B3D1AD8DCEBB}" type="datetimeFigureOut">
               <a:rPr lang="en-DK" smtClean="0"/>
-              <a:t>06/12/2020</a:t>
+              <a:t>17/08/2020</a:t>
             </a:fld>
             <a:endParaRPr lang="en-DK"/>
           </a:p>
@@ -3423,7 +3423,7 @@
           <a:p>
             <a:fld id="{4F0241CA-2D9F-4459-972A-B5752E64FD6F}" type="slidenum">
               <a:rPr lang="en-DK" smtClean="0"/>
-              <a:t>‹nr.›</a:t>
+              <a:t>‹#›</a:t>
             </a:fld>
             <a:endParaRPr lang="en-DK"/>
           </a:p>
@@ -3612,7 +3612,7 @@
           <a:p>
             <a:fld id="{B15BDCF8-6BE6-4A24-AC1F-B3D1AD8DCEBB}" type="datetimeFigureOut">
               <a:rPr lang="en-DK" smtClean="0"/>
-              <a:t>06/12/2020</a:t>
+              <a:t>17/08/2020</a:t>
             </a:fld>
             <a:endParaRPr lang="en-DK"/>
           </a:p>
@@ -3702,7 +3702,7 @@
           <a:p>
             <a:fld id="{4F0241CA-2D9F-4459-972A-B5752E64FD6F}" type="slidenum">
               <a:rPr lang="en-DK" smtClean="0"/>
-              <a:t>‹nr.›</a:t>
+              <a:t>‹#›</a:t>
             </a:fld>
             <a:endParaRPr lang="en-DK"/>
           </a:p>
@@ -5900,6 +5900,135 @@
           </a:prstGeom>
         </p:spPr>
       </p:pic>
+      <p:sp>
+        <p:nvSpPr>
+          <p:cNvPr id="6" name="TextBox 4">
+            <a:extLst>
+              <a:ext uri="{FF2B5EF4-FFF2-40B4-BE49-F238E27FC236}">
+                <a16:creationId xmlns:a16="http://schemas.microsoft.com/office/drawing/2014/main" id="{ED88B89F-A016-4792-AE3E-93E32D9A54EB}"/>
+              </a:ext>
+            </a:extLst>
+          </p:cNvPr>
+          <p:cNvSpPr txBox="1"/>
+          <p:nvPr/>
+        </p:nvSpPr>
+        <p:spPr>
+          <a:xfrm>
+            <a:off x="5403989" y="6390555"/>
+            <a:ext cx="2910980" cy="369332"/>
+          </a:xfrm>
+          <a:prstGeom prst="rect">
+            <a:avLst/>
+          </a:prstGeom>
+          <a:noFill/>
+        </p:spPr>
+        <p:txBody>
+          <a:bodyPr wrap="square" rtlCol="0">
+            <a:spAutoFit/>
+          </a:bodyPr>
+          <a:lstStyle>
+            <a:defPPr>
+              <a:defRPr lang="en-DK"/>
+            </a:defPPr>
+            <a:lvl1pPr marL="0" algn="l" defTabSz="914400" rtl="0" eaLnBrk="1" latinLnBrk="0" hangingPunct="1">
+              <a:defRPr sz="1800" kern="1200">
+                <a:solidFill>
+                  <a:schemeClr val="tx1"/>
+                </a:solidFill>
+                <a:latin typeface="+mn-lt"/>
+                <a:ea typeface="+mn-ea"/>
+                <a:cs typeface="+mn-cs"/>
+              </a:defRPr>
+            </a:lvl1pPr>
+            <a:lvl2pPr marL="457200" algn="l" defTabSz="914400" rtl="0" eaLnBrk="1" latinLnBrk="0" hangingPunct="1">
+              <a:defRPr sz="1800" kern="1200">
+                <a:solidFill>
+                  <a:schemeClr val="tx1"/>
+                </a:solidFill>
+                <a:latin typeface="+mn-lt"/>
+                <a:ea typeface="+mn-ea"/>
+                <a:cs typeface="+mn-cs"/>
+              </a:defRPr>
+            </a:lvl2pPr>
+            <a:lvl3pPr marL="914400" algn="l" defTabSz="914400" rtl="0" eaLnBrk="1" latinLnBrk="0" hangingPunct="1">
+              <a:defRPr sz="1800" kern="1200">
+                <a:solidFill>
+                  <a:schemeClr val="tx1"/>
+                </a:solidFill>
+                <a:latin typeface="+mn-lt"/>
+                <a:ea typeface="+mn-ea"/>
+                <a:cs typeface="+mn-cs"/>
+              </a:defRPr>
+            </a:lvl3pPr>
+            <a:lvl4pPr marL="1371600" algn="l" defTabSz="914400" rtl="0" eaLnBrk="1" latinLnBrk="0" hangingPunct="1">
+              <a:defRPr sz="1800" kern="1200">
+                <a:solidFill>
+                  <a:schemeClr val="tx1"/>
+                </a:solidFill>
+                <a:latin typeface="+mn-lt"/>
+                <a:ea typeface="+mn-ea"/>
+                <a:cs typeface="+mn-cs"/>
+              </a:defRPr>
+            </a:lvl4pPr>
+            <a:lvl5pPr marL="1828800" algn="l" defTabSz="914400" rtl="0" eaLnBrk="1" latinLnBrk="0" hangingPunct="1">
+              <a:defRPr sz="1800" kern="1200">
+                <a:solidFill>
+                  <a:schemeClr val="tx1"/>
+                </a:solidFill>
+                <a:latin typeface="+mn-lt"/>
+                <a:ea typeface="+mn-ea"/>
+                <a:cs typeface="+mn-cs"/>
+              </a:defRPr>
+            </a:lvl5pPr>
+            <a:lvl6pPr marL="2286000" algn="l" defTabSz="914400" rtl="0" eaLnBrk="1" latinLnBrk="0" hangingPunct="1">
+              <a:defRPr sz="1800" kern="1200">
+                <a:solidFill>
+                  <a:schemeClr val="tx1"/>
+                </a:solidFill>
+                <a:latin typeface="+mn-lt"/>
+                <a:ea typeface="+mn-ea"/>
+                <a:cs typeface="+mn-cs"/>
+              </a:defRPr>
+            </a:lvl6pPr>
+            <a:lvl7pPr marL="2743200" algn="l" defTabSz="914400" rtl="0" eaLnBrk="1" latinLnBrk="0" hangingPunct="1">
+              <a:defRPr sz="1800" kern="1200">
+                <a:solidFill>
+                  <a:schemeClr val="tx1"/>
+                </a:solidFill>
+                <a:latin typeface="+mn-lt"/>
+                <a:ea typeface="+mn-ea"/>
+                <a:cs typeface="+mn-cs"/>
+              </a:defRPr>
+            </a:lvl7pPr>
+            <a:lvl8pPr marL="3200400" algn="l" defTabSz="914400" rtl="0" eaLnBrk="1" latinLnBrk="0" hangingPunct="1">
+              <a:defRPr sz="1800" kern="1200">
+                <a:solidFill>
+                  <a:schemeClr val="tx1"/>
+                </a:solidFill>
+                <a:latin typeface="+mn-lt"/>
+                <a:ea typeface="+mn-ea"/>
+                <a:cs typeface="+mn-cs"/>
+              </a:defRPr>
+            </a:lvl8pPr>
+            <a:lvl9pPr marL="3657600" algn="l" defTabSz="914400" rtl="0" eaLnBrk="1" latinLnBrk="0" hangingPunct="1">
+              <a:defRPr sz="1800" kern="1200">
+                <a:solidFill>
+                  <a:schemeClr val="tx1"/>
+                </a:solidFill>
+                <a:latin typeface="+mn-lt"/>
+                <a:ea typeface="+mn-ea"/>
+                <a:cs typeface="+mn-cs"/>
+              </a:defRPr>
+            </a:lvl9pPr>
+          </a:lstStyle>
+          <a:p>
+            <a:r>
+              <a:rPr lang="da-DK" dirty="0"/>
+              <a:t>Kilde: Lektions slides</a:t>
+            </a:r>
+          </a:p>
+        </p:txBody>
+      </p:sp>
     </p:spTree>
     <p:extLst>
       <p:ext uri="{BB962C8B-B14F-4D97-AF65-F5344CB8AC3E}">
